--- a/20221109_다이나모에서 딕셔너리 활용하여 코드 복잡도 완화하기/documentum/블로그용.pptx
+++ b/20221109_다이나모에서 딕셔너리 활용하여 코드 복잡도 완화하기/documentum/블로그용.pptx
@@ -29,11 +29,11 @@
     <p:sldId id="273" r:id="rId23"/>
     <p:sldId id="260" r:id="rId24"/>
     <p:sldId id="287" r:id="rId25"/>
-    <p:sldId id="263" r:id="rId26"/>
+    <p:sldId id="264" r:id="rId26"/>
     <p:sldId id="284" r:id="rId27"/>
-    <p:sldId id="290" r:id="rId28"/>
-    <p:sldId id="262" r:id="rId29"/>
-    <p:sldId id="264" r:id="rId30"/>
+    <p:sldId id="263" r:id="rId28"/>
+    <p:sldId id="290" r:id="rId29"/>
+    <p:sldId id="262" r:id="rId30"/>
     <p:sldId id="289" r:id="rId31"/>
   </p:sldIdLst>
   <p:sldSz cx="12192000" cy="6858000"/>
@@ -270,7 +270,7 @@
           <a:p>
             <a:fld id="{C69C5E94-CBD9-42C9-8C4A-9201E9861AAC}" type="datetimeFigureOut">
               <a:rPr lang="ko-KR" altLang="en-US" smtClean="0"/>
-              <a:t>2022-11-09</a:t>
+              <a:t>2022-11-10</a:t>
             </a:fld>
             <a:endParaRPr lang="ko-KR" altLang="en-US"/>
           </a:p>
@@ -438,7 +438,7 @@
           <a:p>
             <a:fld id="{C69C5E94-CBD9-42C9-8C4A-9201E9861AAC}" type="datetimeFigureOut">
               <a:rPr lang="ko-KR" altLang="en-US" smtClean="0"/>
-              <a:t>2022-11-09</a:t>
+              <a:t>2022-11-10</a:t>
             </a:fld>
             <a:endParaRPr lang="ko-KR" altLang="en-US"/>
           </a:p>
@@ -616,7 +616,7 @@
           <a:p>
             <a:fld id="{C69C5E94-CBD9-42C9-8C4A-9201E9861AAC}" type="datetimeFigureOut">
               <a:rPr lang="ko-KR" altLang="en-US" smtClean="0"/>
-              <a:t>2022-11-09</a:t>
+              <a:t>2022-11-10</a:t>
             </a:fld>
             <a:endParaRPr lang="ko-KR" altLang="en-US"/>
           </a:p>
@@ -784,7 +784,7 @@
           <a:p>
             <a:fld id="{C69C5E94-CBD9-42C9-8C4A-9201E9861AAC}" type="datetimeFigureOut">
               <a:rPr lang="ko-KR" altLang="en-US" smtClean="0"/>
-              <a:t>2022-11-09</a:t>
+              <a:t>2022-11-10</a:t>
             </a:fld>
             <a:endParaRPr lang="ko-KR" altLang="en-US"/>
           </a:p>
@@ -1029,7 +1029,7 @@
           <a:p>
             <a:fld id="{C69C5E94-CBD9-42C9-8C4A-9201E9861AAC}" type="datetimeFigureOut">
               <a:rPr lang="ko-KR" altLang="en-US" smtClean="0"/>
-              <a:t>2022-11-09</a:t>
+              <a:t>2022-11-10</a:t>
             </a:fld>
             <a:endParaRPr lang="ko-KR" altLang="en-US"/>
           </a:p>
@@ -1258,7 +1258,7 @@
           <a:p>
             <a:fld id="{C69C5E94-CBD9-42C9-8C4A-9201E9861AAC}" type="datetimeFigureOut">
               <a:rPr lang="ko-KR" altLang="en-US" smtClean="0"/>
-              <a:t>2022-11-09</a:t>
+              <a:t>2022-11-10</a:t>
             </a:fld>
             <a:endParaRPr lang="ko-KR" altLang="en-US"/>
           </a:p>
@@ -1622,7 +1622,7 @@
           <a:p>
             <a:fld id="{C69C5E94-CBD9-42C9-8C4A-9201E9861AAC}" type="datetimeFigureOut">
               <a:rPr lang="ko-KR" altLang="en-US" smtClean="0"/>
-              <a:t>2022-11-09</a:t>
+              <a:t>2022-11-10</a:t>
             </a:fld>
             <a:endParaRPr lang="ko-KR" altLang="en-US"/>
           </a:p>
@@ -1739,7 +1739,7 @@
           <a:p>
             <a:fld id="{C69C5E94-CBD9-42C9-8C4A-9201E9861AAC}" type="datetimeFigureOut">
               <a:rPr lang="ko-KR" altLang="en-US" smtClean="0"/>
-              <a:t>2022-11-09</a:t>
+              <a:t>2022-11-10</a:t>
             </a:fld>
             <a:endParaRPr lang="ko-KR" altLang="en-US"/>
           </a:p>
@@ -1834,7 +1834,7 @@
           <a:p>
             <a:fld id="{C69C5E94-CBD9-42C9-8C4A-9201E9861AAC}" type="datetimeFigureOut">
               <a:rPr lang="ko-KR" altLang="en-US" smtClean="0"/>
-              <a:t>2022-11-09</a:t>
+              <a:t>2022-11-10</a:t>
             </a:fld>
             <a:endParaRPr lang="ko-KR" altLang="en-US"/>
           </a:p>
@@ -2109,7 +2109,7 @@
           <a:p>
             <a:fld id="{C69C5E94-CBD9-42C9-8C4A-9201E9861AAC}" type="datetimeFigureOut">
               <a:rPr lang="ko-KR" altLang="en-US" smtClean="0"/>
-              <a:t>2022-11-09</a:t>
+              <a:t>2022-11-10</a:t>
             </a:fld>
             <a:endParaRPr lang="ko-KR" altLang="en-US"/>
           </a:p>
@@ -2361,7 +2361,7 @@
           <a:p>
             <a:fld id="{C69C5E94-CBD9-42C9-8C4A-9201E9861AAC}" type="datetimeFigureOut">
               <a:rPr lang="ko-KR" altLang="en-US" smtClean="0"/>
-              <a:t>2022-11-09</a:t>
+              <a:t>2022-11-10</a:t>
             </a:fld>
             <a:endParaRPr lang="ko-KR" altLang="en-US"/>
           </a:p>
@@ -2572,7 +2572,7 @@
           <a:p>
             <a:fld id="{C69C5E94-CBD9-42C9-8C4A-9201E9861AAC}" type="datetimeFigureOut">
               <a:rPr lang="ko-KR" altLang="en-US" smtClean="0"/>
-              <a:t>2022-11-09</a:t>
+              <a:t>2022-11-10</a:t>
             </a:fld>
             <a:endParaRPr lang="ko-KR" altLang="en-US"/>
           </a:p>
@@ -9821,6 +9821,297 @@
       </p:grpSpPr>
       <p:pic>
         <p:nvPicPr>
+          <p:cNvPr id="5" name="그림 4"/>
+          <p:cNvPicPr>
+            <a:picLocks noChangeAspect="1"/>
+          </p:cNvPicPr>
+          <p:nvPr/>
+        </p:nvPicPr>
+        <p:blipFill>
+          <a:blip r:embed="rId2"/>
+          <a:stretch>
+            <a:fillRect/>
+          </a:stretch>
+        </p:blipFill>
+        <p:spPr>
+          <a:xfrm>
+            <a:off x="2037783" y="94784"/>
+            <a:ext cx="8116433" cy="6668431"/>
+          </a:xfrm>
+          <a:prstGeom prst="rect">
+            <a:avLst/>
+          </a:prstGeom>
+        </p:spPr>
+      </p:pic>
+      <p:sp>
+        <p:nvSpPr>
+          <p:cNvPr id="2" name="직사각형 1"/>
+          <p:cNvSpPr/>
+          <p:nvPr/>
+        </p:nvSpPr>
+        <p:spPr>
+          <a:xfrm>
+            <a:off x="2141838" y="3253946"/>
+            <a:ext cx="6367848" cy="3006811"/>
+          </a:xfrm>
+          <a:prstGeom prst="rect">
+            <a:avLst/>
+          </a:prstGeom>
+          <a:noFill/>
+          <a:ln w="22225">
+            <a:solidFill>
+              <a:srgbClr val="0000FF"/>
+            </a:solidFill>
+            <a:prstDash val="dash"/>
+          </a:ln>
+        </p:spPr>
+        <p:style>
+          <a:lnRef idx="2">
+            <a:schemeClr val="accent1">
+              <a:shade val="50000"/>
+            </a:schemeClr>
+          </a:lnRef>
+          <a:fillRef idx="1">
+            <a:schemeClr val="accent1"/>
+          </a:fillRef>
+          <a:effectRef idx="0">
+            <a:schemeClr val="accent1"/>
+          </a:effectRef>
+          <a:fontRef idx="minor">
+            <a:schemeClr val="lt1"/>
+          </a:fontRef>
+        </p:style>
+        <p:txBody>
+          <a:bodyPr rtlCol="0" anchor="ctr"/>
+          <a:lstStyle/>
+          <a:p>
+            <a:pPr algn="ctr"/>
+            <a:endParaRPr lang="ko-KR" altLang="en-US"/>
+          </a:p>
+        </p:txBody>
+      </p:sp>
+    </p:spTree>
+    <p:extLst>
+      <p:ext uri="{BB962C8B-B14F-4D97-AF65-F5344CB8AC3E}">
+        <p14:creationId xmlns:p14="http://schemas.microsoft.com/office/powerpoint/2010/main" val="2537121810"/>
+      </p:ext>
+    </p:extLst>
+  </p:cSld>
+  <p:clrMapOvr>
+    <a:masterClrMapping/>
+  </p:clrMapOvr>
+</p:sld>
+</file>
+
+<file path=ppt/slides/slide26.xml><?xml version="1.0" encoding="utf-8"?>
+<p:sld xmlns:a="http://schemas.openxmlformats.org/drawingml/2006/main" xmlns:r="http://schemas.openxmlformats.org/officeDocument/2006/relationships" xmlns:p="http://schemas.openxmlformats.org/presentationml/2006/main">
+  <p:cSld>
+    <p:spTree>
+      <p:nvGrpSpPr>
+        <p:cNvPr id="1" name=""/>
+        <p:cNvGrpSpPr/>
+        <p:nvPr/>
+      </p:nvGrpSpPr>
+      <p:grpSpPr>
+        <a:xfrm>
+          <a:off x="0" y="0"/>
+          <a:ext cx="0" cy="0"/>
+          <a:chOff x="0" y="0"/>
+          <a:chExt cx="0" cy="0"/>
+        </a:xfrm>
+      </p:grpSpPr>
+      <p:pic>
+        <p:nvPicPr>
+          <p:cNvPr id="5" name="그림 4">
+            <a:extLst>
+              <a:ext uri="{FF2B5EF4-FFF2-40B4-BE49-F238E27FC236}">
+                <a16:creationId xmlns:a16="http://schemas.microsoft.com/office/drawing/2014/main" id="{04F528C9-E430-D6AB-0F3F-472C864B723A}"/>
+              </a:ext>
+            </a:extLst>
+          </p:cNvPr>
+          <p:cNvPicPr>
+            <a:picLocks noChangeAspect="1"/>
+          </p:cNvPicPr>
+          <p:nvPr/>
+        </p:nvPicPr>
+        <p:blipFill>
+          <a:blip r:embed="rId2"/>
+          <a:stretch>
+            <a:fillRect/>
+          </a:stretch>
+        </p:blipFill>
+        <p:spPr>
+          <a:xfrm>
+            <a:off x="675190" y="1643583"/>
+            <a:ext cx="10841620" cy="4783582"/>
+          </a:xfrm>
+          <a:prstGeom prst="rect">
+            <a:avLst/>
+          </a:prstGeom>
+        </p:spPr>
+      </p:pic>
+      <p:sp>
+        <p:nvSpPr>
+          <p:cNvPr id="10" name="TextBox 9"/>
+          <p:cNvSpPr txBox="1"/>
+          <p:nvPr/>
+        </p:nvSpPr>
+        <p:spPr>
+          <a:xfrm>
+            <a:off x="0" y="822851"/>
+            <a:ext cx="12192000" cy="663258"/>
+          </a:xfrm>
+          <a:prstGeom prst="rect">
+            <a:avLst/>
+          </a:prstGeom>
+          <a:noFill/>
+        </p:spPr>
+        <p:txBody>
+          <a:bodyPr wrap="square" rtlCol="0">
+            <a:spAutoFit/>
+          </a:bodyPr>
+          <a:lstStyle/>
+          <a:p>
+            <a:pPr algn="ctr">
+              <a:lnSpc>
+                <a:spcPct val="150000"/>
+              </a:lnSpc>
+            </a:pPr>
+            <a:r>
+              <a:rPr lang="en-US" altLang="ko-KR" sz="2800" dirty="0">
+                <a:latin typeface="리디바탕" panose="020B0600000101010101" pitchFamily="34" charset="-127"/>
+                <a:ea typeface="리디바탕" panose="020B0600000101010101" pitchFamily="34" charset="-127"/>
+              </a:rPr>
+              <a:t>Dictionary base Code Unit</a:t>
+            </a:r>
+          </a:p>
+        </p:txBody>
+      </p:sp>
+      <p:sp>
+        <p:nvSpPr>
+          <p:cNvPr id="3" name="모서리가 둥근 직사각형 2"/>
+          <p:cNvSpPr/>
+          <p:nvPr/>
+        </p:nvSpPr>
+        <p:spPr>
+          <a:xfrm>
+            <a:off x="2245489" y="2125362"/>
+            <a:ext cx="9491240" cy="4301803"/>
+          </a:xfrm>
+          <a:prstGeom prst="roundRect">
+            <a:avLst/>
+          </a:prstGeom>
+          <a:noFill/>
+          <a:ln w="41275">
+            <a:solidFill>
+              <a:srgbClr val="FF0000"/>
+            </a:solidFill>
+            <a:prstDash val="lgDashDot"/>
+          </a:ln>
+        </p:spPr>
+        <p:style>
+          <a:lnRef idx="2">
+            <a:schemeClr val="accent1">
+              <a:shade val="50000"/>
+            </a:schemeClr>
+          </a:lnRef>
+          <a:fillRef idx="1">
+            <a:schemeClr val="accent1"/>
+          </a:fillRef>
+          <a:effectRef idx="0">
+            <a:schemeClr val="accent1"/>
+          </a:effectRef>
+          <a:fontRef idx="minor">
+            <a:schemeClr val="lt1"/>
+          </a:fontRef>
+        </p:style>
+        <p:txBody>
+          <a:bodyPr rtlCol="0" anchor="ctr"/>
+          <a:lstStyle/>
+          <a:p>
+            <a:pPr algn="ctr"/>
+            <a:endParaRPr lang="ko-KR" altLang="en-US"/>
+          </a:p>
+        </p:txBody>
+      </p:sp>
+      <p:sp>
+        <p:nvSpPr>
+          <p:cNvPr id="4" name="TextBox 3">
+            <a:extLst>
+              <a:ext uri="{FF2B5EF4-FFF2-40B4-BE49-F238E27FC236}">
+                <a16:creationId xmlns:a16="http://schemas.microsoft.com/office/drawing/2014/main" id="{0D6FEA98-EE4A-5941-173F-1ADE2FF7F68A}"/>
+              </a:ext>
+            </a:extLst>
+          </p:cNvPr>
+          <p:cNvSpPr txBox="1"/>
+          <p:nvPr/>
+        </p:nvSpPr>
+        <p:spPr>
+          <a:xfrm>
+            <a:off x="9756578" y="5822979"/>
+            <a:ext cx="1440715" cy="459357"/>
+          </a:xfrm>
+          <a:prstGeom prst="rect">
+            <a:avLst/>
+          </a:prstGeom>
+          <a:noFill/>
+        </p:spPr>
+        <p:txBody>
+          <a:bodyPr wrap="none" rtlCol="0">
+            <a:spAutoFit/>
+          </a:bodyPr>
+          <a:lstStyle/>
+          <a:p>
+            <a:pPr algn="ctr">
+              <a:lnSpc>
+                <a:spcPct val="150000"/>
+              </a:lnSpc>
+            </a:pPr>
+            <a:r>
+              <a:rPr lang="en-US" altLang="ko-KR" dirty="0">
+                <a:solidFill>
+                  <a:srgbClr val="FF0000"/>
+                </a:solidFill>
+                <a:latin typeface="리디바탕" panose="020B0600000101010101" pitchFamily="34" charset="-127"/>
+                <a:ea typeface="리디바탕" panose="020B0600000101010101" pitchFamily="34" charset="-127"/>
+              </a:rPr>
+              <a:t>1 Code Unit</a:t>
+            </a:r>
+          </a:p>
+        </p:txBody>
+      </p:sp>
+    </p:spTree>
+    <p:extLst>
+      <p:ext uri="{BB962C8B-B14F-4D97-AF65-F5344CB8AC3E}">
+        <p14:creationId xmlns:p14="http://schemas.microsoft.com/office/powerpoint/2010/main" val="1881086659"/>
+      </p:ext>
+    </p:extLst>
+  </p:cSld>
+  <p:clrMapOvr>
+    <a:masterClrMapping/>
+  </p:clrMapOvr>
+</p:sld>
+</file>
+
+<file path=ppt/slides/slide27.xml><?xml version="1.0" encoding="utf-8"?>
+<p:sld xmlns:a="http://schemas.openxmlformats.org/drawingml/2006/main" xmlns:r="http://schemas.openxmlformats.org/officeDocument/2006/relationships" xmlns:p="http://schemas.openxmlformats.org/presentationml/2006/main">
+  <p:cSld>
+    <p:spTree>
+      <p:nvGrpSpPr>
+        <p:cNvPr id="1" name=""/>
+        <p:cNvGrpSpPr/>
+        <p:nvPr/>
+      </p:nvGrpSpPr>
+      <p:grpSpPr>
+        <a:xfrm>
+          <a:off x="0" y="0"/>
+          <a:ext cx="0" cy="0"/>
+          <a:chOff x="0" y="0"/>
+          <a:chExt cx="0" cy="0"/>
+        </a:xfrm>
+      </p:grpSpPr>
+      <p:pic>
+        <p:nvPicPr>
           <p:cNvPr id="11" name="그림 10">
             <a:extLst>
               <a:ext uri="{FF2B5EF4-FFF2-40B4-BE49-F238E27FC236}">
@@ -10340,197 +10631,7 @@
 </p:sld>
 </file>
 
-<file path=ppt/slides/slide26.xml><?xml version="1.0" encoding="utf-8"?>
-<p:sld xmlns:a="http://schemas.openxmlformats.org/drawingml/2006/main" xmlns:r="http://schemas.openxmlformats.org/officeDocument/2006/relationships" xmlns:p="http://schemas.openxmlformats.org/presentationml/2006/main">
-  <p:cSld>
-    <p:spTree>
-      <p:nvGrpSpPr>
-        <p:cNvPr id="1" name=""/>
-        <p:cNvGrpSpPr/>
-        <p:nvPr/>
-      </p:nvGrpSpPr>
-      <p:grpSpPr>
-        <a:xfrm>
-          <a:off x="0" y="0"/>
-          <a:ext cx="0" cy="0"/>
-          <a:chOff x="0" y="0"/>
-          <a:chExt cx="0" cy="0"/>
-        </a:xfrm>
-      </p:grpSpPr>
-      <p:pic>
-        <p:nvPicPr>
-          <p:cNvPr id="5" name="그림 4">
-            <a:extLst>
-              <a:ext uri="{FF2B5EF4-FFF2-40B4-BE49-F238E27FC236}">
-                <a16:creationId xmlns:a16="http://schemas.microsoft.com/office/drawing/2014/main" id="{04F528C9-E430-D6AB-0F3F-472C864B723A}"/>
-              </a:ext>
-            </a:extLst>
-          </p:cNvPr>
-          <p:cNvPicPr>
-            <a:picLocks noChangeAspect="1"/>
-          </p:cNvPicPr>
-          <p:nvPr/>
-        </p:nvPicPr>
-        <p:blipFill>
-          <a:blip r:embed="rId2"/>
-          <a:stretch>
-            <a:fillRect/>
-          </a:stretch>
-        </p:blipFill>
-        <p:spPr>
-          <a:xfrm>
-            <a:off x="675190" y="1643583"/>
-            <a:ext cx="10841620" cy="4783582"/>
-          </a:xfrm>
-          <a:prstGeom prst="rect">
-            <a:avLst/>
-          </a:prstGeom>
-        </p:spPr>
-      </p:pic>
-      <p:sp>
-        <p:nvSpPr>
-          <p:cNvPr id="10" name="TextBox 9"/>
-          <p:cNvSpPr txBox="1"/>
-          <p:nvPr/>
-        </p:nvSpPr>
-        <p:spPr>
-          <a:xfrm>
-            <a:off x="0" y="822851"/>
-            <a:ext cx="12192000" cy="663258"/>
-          </a:xfrm>
-          <a:prstGeom prst="rect">
-            <a:avLst/>
-          </a:prstGeom>
-          <a:noFill/>
-        </p:spPr>
-        <p:txBody>
-          <a:bodyPr wrap="square" rtlCol="0">
-            <a:spAutoFit/>
-          </a:bodyPr>
-          <a:lstStyle/>
-          <a:p>
-            <a:pPr algn="ctr">
-              <a:lnSpc>
-                <a:spcPct val="150000"/>
-              </a:lnSpc>
-            </a:pPr>
-            <a:r>
-              <a:rPr lang="en-US" altLang="ko-KR" sz="2800" dirty="0">
-                <a:latin typeface="리디바탕" panose="020B0600000101010101" pitchFamily="34" charset="-127"/>
-                <a:ea typeface="리디바탕" panose="020B0600000101010101" pitchFamily="34" charset="-127"/>
-              </a:rPr>
-              <a:t>Dictionary base Code Unit</a:t>
-            </a:r>
-          </a:p>
-        </p:txBody>
-      </p:sp>
-      <p:sp>
-        <p:nvSpPr>
-          <p:cNvPr id="3" name="모서리가 둥근 직사각형 2"/>
-          <p:cNvSpPr/>
-          <p:nvPr/>
-        </p:nvSpPr>
-        <p:spPr>
-          <a:xfrm>
-            <a:off x="2245489" y="2125362"/>
-            <a:ext cx="9491240" cy="4301803"/>
-          </a:xfrm>
-          <a:prstGeom prst="roundRect">
-            <a:avLst/>
-          </a:prstGeom>
-          <a:noFill/>
-          <a:ln w="41275">
-            <a:solidFill>
-              <a:srgbClr val="FF0000"/>
-            </a:solidFill>
-            <a:prstDash val="lgDashDot"/>
-          </a:ln>
-        </p:spPr>
-        <p:style>
-          <a:lnRef idx="2">
-            <a:schemeClr val="accent1">
-              <a:shade val="50000"/>
-            </a:schemeClr>
-          </a:lnRef>
-          <a:fillRef idx="1">
-            <a:schemeClr val="accent1"/>
-          </a:fillRef>
-          <a:effectRef idx="0">
-            <a:schemeClr val="accent1"/>
-          </a:effectRef>
-          <a:fontRef idx="minor">
-            <a:schemeClr val="lt1"/>
-          </a:fontRef>
-        </p:style>
-        <p:txBody>
-          <a:bodyPr rtlCol="0" anchor="ctr"/>
-          <a:lstStyle/>
-          <a:p>
-            <a:pPr algn="ctr"/>
-            <a:endParaRPr lang="ko-KR" altLang="en-US"/>
-          </a:p>
-        </p:txBody>
-      </p:sp>
-      <p:sp>
-        <p:nvSpPr>
-          <p:cNvPr id="4" name="TextBox 3">
-            <a:extLst>
-              <a:ext uri="{FF2B5EF4-FFF2-40B4-BE49-F238E27FC236}">
-                <a16:creationId xmlns:a16="http://schemas.microsoft.com/office/drawing/2014/main" id="{0D6FEA98-EE4A-5941-173F-1ADE2FF7F68A}"/>
-              </a:ext>
-            </a:extLst>
-          </p:cNvPr>
-          <p:cNvSpPr txBox="1"/>
-          <p:nvPr/>
-        </p:nvSpPr>
-        <p:spPr>
-          <a:xfrm>
-            <a:off x="9756578" y="5822979"/>
-            <a:ext cx="1440715" cy="459357"/>
-          </a:xfrm>
-          <a:prstGeom prst="rect">
-            <a:avLst/>
-          </a:prstGeom>
-          <a:noFill/>
-        </p:spPr>
-        <p:txBody>
-          <a:bodyPr wrap="none" rtlCol="0">
-            <a:spAutoFit/>
-          </a:bodyPr>
-          <a:lstStyle/>
-          <a:p>
-            <a:pPr algn="ctr">
-              <a:lnSpc>
-                <a:spcPct val="150000"/>
-              </a:lnSpc>
-            </a:pPr>
-            <a:r>
-              <a:rPr lang="en-US" altLang="ko-KR" dirty="0">
-                <a:solidFill>
-                  <a:srgbClr val="FF0000"/>
-                </a:solidFill>
-                <a:latin typeface="리디바탕" panose="020B0600000101010101" pitchFamily="34" charset="-127"/>
-                <a:ea typeface="리디바탕" panose="020B0600000101010101" pitchFamily="34" charset="-127"/>
-              </a:rPr>
-              <a:t>1 Code Unit</a:t>
-            </a:r>
-          </a:p>
-        </p:txBody>
-      </p:sp>
-    </p:spTree>
-    <p:extLst>
-      <p:ext uri="{BB962C8B-B14F-4D97-AF65-F5344CB8AC3E}">
-        <p14:creationId xmlns:p14="http://schemas.microsoft.com/office/powerpoint/2010/main" val="1881086659"/>
-      </p:ext>
-    </p:extLst>
-  </p:cSld>
-  <p:clrMapOvr>
-    <a:masterClrMapping/>
-  </p:clrMapOvr>
-</p:sld>
-</file>
-
-<file path=ppt/slides/slide27.xml><?xml version="1.0" encoding="utf-8"?>
+<file path=ppt/slides/slide28.xml><?xml version="1.0" encoding="utf-8"?>
 <p:sld xmlns:a="http://schemas.openxmlformats.org/drawingml/2006/main" xmlns:r="http://schemas.openxmlformats.org/officeDocument/2006/relationships" xmlns:p="http://schemas.openxmlformats.org/presentationml/2006/main">
   <p:cSld>
     <p:spTree>
@@ -11219,7 +11320,7 @@
 </p:sld>
 </file>
 
-<file path=ppt/slides/slide28.xml><?xml version="1.0" encoding="utf-8"?>
+<file path=ppt/slides/slide29.xml><?xml version="1.0" encoding="utf-8"?>
 <p:sld xmlns:a="http://schemas.openxmlformats.org/drawingml/2006/main" xmlns:r="http://schemas.openxmlformats.org/officeDocument/2006/relationships" xmlns:p="http://schemas.openxmlformats.org/presentationml/2006/main">
   <p:cSld>
     <p:spTree>
@@ -11502,8 +11603,9 @@
           </a:prstGeom>
           <a:ln w="22225">
             <a:solidFill>
-              <a:srgbClr val="00FFFF"/>
+              <a:srgbClr val="0000FF"/>
             </a:solidFill>
+            <a:prstDash val="lgDashDot"/>
             <a:tailEnd type="triangle"/>
           </a:ln>
         </p:spPr>
@@ -11548,8 +11650,9 @@
           </a:prstGeom>
           <a:ln w="22225">
             <a:solidFill>
-              <a:srgbClr val="00FFFF"/>
+              <a:srgbClr val="0000FF"/>
             </a:solidFill>
+            <a:prstDash val="lgDashDot"/>
             <a:tailEnd type="triangle"/>
           </a:ln>
         </p:spPr>
@@ -11594,8 +11697,9 @@
           </a:prstGeom>
           <a:ln w="22225">
             <a:solidFill>
-              <a:srgbClr val="00FFFF"/>
+              <a:srgbClr val="0000FF"/>
             </a:solidFill>
+            <a:prstDash val="lgDashDot"/>
             <a:tailEnd type="triangle"/>
           </a:ln>
         </p:spPr>
@@ -12916,60 +13020,6 @@
     <p:extLst>
       <p:ext uri="{BB962C8B-B14F-4D97-AF65-F5344CB8AC3E}">
         <p14:creationId xmlns:p14="http://schemas.microsoft.com/office/powerpoint/2010/main" val="922464624"/>
-      </p:ext>
-    </p:extLst>
-  </p:cSld>
-  <p:clrMapOvr>
-    <a:masterClrMapping/>
-  </p:clrMapOvr>
-</p:sld>
-</file>
-
-<file path=ppt/slides/slide29.xml><?xml version="1.0" encoding="utf-8"?>
-<p:sld xmlns:a="http://schemas.openxmlformats.org/drawingml/2006/main" xmlns:r="http://schemas.openxmlformats.org/officeDocument/2006/relationships" xmlns:p="http://schemas.openxmlformats.org/presentationml/2006/main">
-  <p:cSld>
-    <p:spTree>
-      <p:nvGrpSpPr>
-        <p:cNvPr id="1" name=""/>
-        <p:cNvGrpSpPr/>
-        <p:nvPr/>
-      </p:nvGrpSpPr>
-      <p:grpSpPr>
-        <a:xfrm>
-          <a:off x="0" y="0"/>
-          <a:ext cx="0" cy="0"/>
-          <a:chOff x="0" y="0"/>
-          <a:chExt cx="0" cy="0"/>
-        </a:xfrm>
-      </p:grpSpPr>
-      <p:pic>
-        <p:nvPicPr>
-          <p:cNvPr id="5" name="그림 4"/>
-          <p:cNvPicPr>
-            <a:picLocks noChangeAspect="1"/>
-          </p:cNvPicPr>
-          <p:nvPr/>
-        </p:nvPicPr>
-        <p:blipFill>
-          <a:blip r:embed="rId2"/>
-          <a:stretch>
-            <a:fillRect/>
-          </a:stretch>
-        </p:blipFill>
-        <p:spPr>
-          <a:xfrm>
-            <a:off x="2037783" y="94784"/>
-            <a:ext cx="8116433" cy="6668431"/>
-          </a:xfrm>
-          <a:prstGeom prst="rect">
-            <a:avLst/>
-          </a:prstGeom>
-        </p:spPr>
-      </p:pic>
-    </p:spTree>
-    <p:extLst>
-      <p:ext uri="{BB962C8B-B14F-4D97-AF65-F5344CB8AC3E}">
-        <p14:creationId xmlns:p14="http://schemas.microsoft.com/office/powerpoint/2010/main" val="2537121810"/>
       </p:ext>
     </p:extLst>
   </p:cSld>

--- a/20221109_다이나모에서 딕셔너리 활용하여 코드 복잡도 완화하기/documentum/블로그용.pptx
+++ b/20221109_다이나모에서 딕셔너리 활용하여 코드 복잡도 완화하기/documentum/블로그용.pptx
@@ -270,7 +270,7 @@
           <a:p>
             <a:fld id="{C69C5E94-CBD9-42C9-8C4A-9201E9861AAC}" type="datetimeFigureOut">
               <a:rPr lang="ko-KR" altLang="en-US" smtClean="0"/>
-              <a:t>2022-11-10</a:t>
+              <a:t>2022-11-11</a:t>
             </a:fld>
             <a:endParaRPr lang="ko-KR" altLang="en-US"/>
           </a:p>
@@ -438,7 +438,7 @@
           <a:p>
             <a:fld id="{C69C5E94-CBD9-42C9-8C4A-9201E9861AAC}" type="datetimeFigureOut">
               <a:rPr lang="ko-KR" altLang="en-US" smtClean="0"/>
-              <a:t>2022-11-10</a:t>
+              <a:t>2022-11-11</a:t>
             </a:fld>
             <a:endParaRPr lang="ko-KR" altLang="en-US"/>
           </a:p>
@@ -616,7 +616,7 @@
           <a:p>
             <a:fld id="{C69C5E94-CBD9-42C9-8C4A-9201E9861AAC}" type="datetimeFigureOut">
               <a:rPr lang="ko-KR" altLang="en-US" smtClean="0"/>
-              <a:t>2022-11-10</a:t>
+              <a:t>2022-11-11</a:t>
             </a:fld>
             <a:endParaRPr lang="ko-KR" altLang="en-US"/>
           </a:p>
@@ -784,7 +784,7 @@
           <a:p>
             <a:fld id="{C69C5E94-CBD9-42C9-8C4A-9201E9861AAC}" type="datetimeFigureOut">
               <a:rPr lang="ko-KR" altLang="en-US" smtClean="0"/>
-              <a:t>2022-11-10</a:t>
+              <a:t>2022-11-11</a:t>
             </a:fld>
             <a:endParaRPr lang="ko-KR" altLang="en-US"/>
           </a:p>
@@ -1029,7 +1029,7 @@
           <a:p>
             <a:fld id="{C69C5E94-CBD9-42C9-8C4A-9201E9861AAC}" type="datetimeFigureOut">
               <a:rPr lang="ko-KR" altLang="en-US" smtClean="0"/>
-              <a:t>2022-11-10</a:t>
+              <a:t>2022-11-11</a:t>
             </a:fld>
             <a:endParaRPr lang="ko-KR" altLang="en-US"/>
           </a:p>
@@ -1258,7 +1258,7 @@
           <a:p>
             <a:fld id="{C69C5E94-CBD9-42C9-8C4A-9201E9861AAC}" type="datetimeFigureOut">
               <a:rPr lang="ko-KR" altLang="en-US" smtClean="0"/>
-              <a:t>2022-11-10</a:t>
+              <a:t>2022-11-11</a:t>
             </a:fld>
             <a:endParaRPr lang="ko-KR" altLang="en-US"/>
           </a:p>
@@ -1622,7 +1622,7 @@
           <a:p>
             <a:fld id="{C69C5E94-CBD9-42C9-8C4A-9201E9861AAC}" type="datetimeFigureOut">
               <a:rPr lang="ko-KR" altLang="en-US" smtClean="0"/>
-              <a:t>2022-11-10</a:t>
+              <a:t>2022-11-11</a:t>
             </a:fld>
             <a:endParaRPr lang="ko-KR" altLang="en-US"/>
           </a:p>
@@ -1739,7 +1739,7 @@
           <a:p>
             <a:fld id="{C69C5E94-CBD9-42C9-8C4A-9201E9861AAC}" type="datetimeFigureOut">
               <a:rPr lang="ko-KR" altLang="en-US" smtClean="0"/>
-              <a:t>2022-11-10</a:t>
+              <a:t>2022-11-11</a:t>
             </a:fld>
             <a:endParaRPr lang="ko-KR" altLang="en-US"/>
           </a:p>
@@ -1834,7 +1834,7 @@
           <a:p>
             <a:fld id="{C69C5E94-CBD9-42C9-8C4A-9201E9861AAC}" type="datetimeFigureOut">
               <a:rPr lang="ko-KR" altLang="en-US" smtClean="0"/>
-              <a:t>2022-11-10</a:t>
+              <a:t>2022-11-11</a:t>
             </a:fld>
             <a:endParaRPr lang="ko-KR" altLang="en-US"/>
           </a:p>
@@ -2109,7 +2109,7 @@
           <a:p>
             <a:fld id="{C69C5E94-CBD9-42C9-8C4A-9201E9861AAC}" type="datetimeFigureOut">
               <a:rPr lang="ko-KR" altLang="en-US" smtClean="0"/>
-              <a:t>2022-11-10</a:t>
+              <a:t>2022-11-11</a:t>
             </a:fld>
             <a:endParaRPr lang="ko-KR" altLang="en-US"/>
           </a:p>
@@ -2361,7 +2361,7 @@
           <a:p>
             <a:fld id="{C69C5E94-CBD9-42C9-8C4A-9201E9861AAC}" type="datetimeFigureOut">
               <a:rPr lang="ko-KR" altLang="en-US" smtClean="0"/>
-              <a:t>2022-11-10</a:t>
+              <a:t>2022-11-11</a:t>
             </a:fld>
             <a:endParaRPr lang="ko-KR" altLang="en-US"/>
           </a:p>
@@ -2572,7 +2572,7 @@
           <a:p>
             <a:fld id="{C69C5E94-CBD9-42C9-8C4A-9201E9861AAC}" type="datetimeFigureOut">
               <a:rPr lang="ko-KR" altLang="en-US" smtClean="0"/>
-              <a:t>2022-11-10</a:t>
+              <a:t>2022-11-11</a:t>
             </a:fld>
             <a:endParaRPr lang="ko-KR" altLang="en-US"/>
           </a:p>
@@ -8161,7 +8161,7 @@
         <p:spPr>
           <a:xfrm>
             <a:off x="986972" y="4022717"/>
-            <a:ext cx="10746224" cy="663258"/>
+            <a:ext cx="10746224" cy="738664"/>
           </a:xfrm>
           <a:prstGeom prst="rect">
             <a:avLst/>
@@ -8389,7 +8389,7 @@
               <a:t>: </a:t>
             </a:r>
             <a:r>
-              <a:rPr lang="ko-KR" altLang="en-US" sz="2800" dirty="0">
+              <a:rPr lang="ko-KR" altLang="en-US" sz="2800" dirty="0" smtClean="0">
                 <a:solidFill>
                   <a:schemeClr val="tx1">
                     <a:lumMod val="50000"/>
@@ -8399,10 +8399,10 @@
                 <a:latin typeface="리디바탕" panose="020B0600000101010101" pitchFamily="34" charset="-127"/>
                 <a:ea typeface="리디바탕" panose="020B0600000101010101" pitchFamily="34" charset="-127"/>
               </a:rPr>
-              <a:t>서울</a:t>
-            </a:r>
-            <a:r>
-              <a:rPr lang="en-US" altLang="ko-KR" sz="2800" dirty="0">
+              <a:t>화성</a:t>
+            </a:r>
+            <a:r>
+              <a:rPr lang="en-US" altLang="ko-KR" sz="2800" dirty="0" smtClean="0">
                 <a:solidFill>
                   <a:schemeClr val="tx1">
                     <a:lumMod val="50000"/>
@@ -9890,6 +9890,49 @@
           </a:p>
         </p:txBody>
       </p:sp>
+      <p:sp>
+        <p:nvSpPr>
+          <p:cNvPr id="3" name="TextBox 2"/>
+          <p:cNvSpPr txBox="1"/>
+          <p:nvPr/>
+        </p:nvSpPr>
+        <p:spPr>
+          <a:xfrm>
+            <a:off x="9218109" y="3916393"/>
+            <a:ext cx="2977097" cy="369332"/>
+          </a:xfrm>
+          <a:prstGeom prst="rect">
+            <a:avLst/>
+          </a:prstGeom>
+          <a:noFill/>
+        </p:spPr>
+        <p:txBody>
+          <a:bodyPr wrap="none" rtlCol="0">
+            <a:spAutoFit/>
+          </a:bodyPr>
+          <a:lstStyle/>
+          <a:p>
+            <a:r>
+              <a:rPr lang="ko-KR" altLang="en-US" dirty="0" err="1" smtClean="0">
+                <a:latin typeface="리디바탕" panose="020B0600000101010101" pitchFamily="34" charset="-127"/>
+                <a:ea typeface="리디바탕" panose="020B0600000101010101" pitchFamily="34" charset="-127"/>
+              </a:rPr>
+              <a:t>딕셔너리를</a:t>
+            </a:r>
+            <a:r>
+              <a:rPr lang="ko-KR" altLang="en-US" dirty="0" smtClean="0">
+                <a:latin typeface="리디바탕" panose="020B0600000101010101" pitchFamily="34" charset="-127"/>
+                <a:ea typeface="리디바탕" panose="020B0600000101010101" pitchFamily="34" charset="-127"/>
+              </a:rPr>
+              <a:t> 만들어 주는 함수</a:t>
+            </a:r>
+            <a:endParaRPr lang="ko-KR" altLang="en-US" dirty="0">
+              <a:latin typeface="리디바탕" panose="020B0600000101010101" pitchFamily="34" charset="-127"/>
+              <a:ea typeface="리디바탕" panose="020B0600000101010101" pitchFamily="34" charset="-127"/>
+            </a:endParaRPr>
+          </a:p>
+        </p:txBody>
+      </p:sp>
     </p:spTree>
     <p:extLst>
       <p:ext uri="{BB962C8B-B14F-4D97-AF65-F5344CB8AC3E}">
@@ -10080,6 +10123,505 @@
           </a:p>
         </p:txBody>
       </p:sp>
+      <p:sp>
+        <p:nvSpPr>
+          <p:cNvPr id="12" name="TextBox 11"/>
+          <p:cNvSpPr txBox="1"/>
+          <p:nvPr/>
+        </p:nvSpPr>
+        <p:spPr>
+          <a:xfrm>
+            <a:off x="2800529" y="4303492"/>
+            <a:ext cx="1748427" cy="523220"/>
+          </a:xfrm>
+          <a:prstGeom prst="rect">
+            <a:avLst/>
+          </a:prstGeom>
+          <a:noFill/>
+        </p:spPr>
+        <p:txBody>
+          <a:bodyPr wrap="none" rtlCol="0">
+            <a:spAutoFit/>
+          </a:bodyPr>
+          <a:lstStyle/>
+          <a:p>
+            <a:r>
+              <a:rPr lang="ko-KR" altLang="en-US" sz="1400" dirty="0" smtClean="0">
+                <a:latin typeface="리디바탕" panose="020B0600000101010101" pitchFamily="34" charset="-127"/>
+                <a:ea typeface="리디바탕" panose="020B0600000101010101" pitchFamily="34" charset="-127"/>
+              </a:rPr>
+              <a:t>이전 </a:t>
+            </a:r>
+            <a:r>
+              <a:rPr lang="ko-KR" altLang="en-US" sz="1400" dirty="0" err="1" smtClean="0">
+                <a:latin typeface="리디바탕" panose="020B0600000101010101" pitchFamily="34" charset="-127"/>
+                <a:ea typeface="리디바탕" panose="020B0600000101010101" pitchFamily="34" charset="-127"/>
+              </a:rPr>
+              <a:t>딕셔너리에서</a:t>
+            </a:r>
+            <a:endParaRPr lang="en-US" altLang="ko-KR" sz="1400" dirty="0" smtClean="0">
+              <a:latin typeface="리디바탕" panose="020B0600000101010101" pitchFamily="34" charset="-127"/>
+              <a:ea typeface="리디바탕" panose="020B0600000101010101" pitchFamily="34" charset="-127"/>
+            </a:endParaRPr>
+          </a:p>
+          <a:p>
+            <a:r>
+              <a:rPr lang="ko-KR" altLang="en-US" sz="1400" dirty="0" smtClean="0">
+                <a:solidFill>
+                  <a:srgbClr val="FF00FF"/>
+                </a:solidFill>
+                <a:latin typeface="리디바탕" panose="020B0600000101010101" pitchFamily="34" charset="-127"/>
+                <a:ea typeface="리디바탕" panose="020B0600000101010101" pitchFamily="34" charset="-127"/>
+              </a:rPr>
+              <a:t>데이터 추출</a:t>
+            </a:r>
+            <a:r>
+              <a:rPr lang="en-US" altLang="ko-KR" sz="1400" dirty="0" smtClean="0">
+                <a:latin typeface="리디바탕" panose="020B0600000101010101" pitchFamily="34" charset="-127"/>
+                <a:ea typeface="리디바탕" panose="020B0600000101010101" pitchFamily="34" charset="-127"/>
+              </a:rPr>
+              <a:t>(by key)</a:t>
+            </a:r>
+            <a:endParaRPr lang="ko-KR" altLang="en-US" sz="1400" dirty="0">
+              <a:latin typeface="리디바탕" panose="020B0600000101010101" pitchFamily="34" charset="-127"/>
+              <a:ea typeface="리디바탕" panose="020B0600000101010101" pitchFamily="34" charset="-127"/>
+            </a:endParaRPr>
+          </a:p>
+        </p:txBody>
+      </p:sp>
+      <p:sp>
+        <p:nvSpPr>
+          <p:cNvPr id="13" name="TextBox 12"/>
+          <p:cNvSpPr txBox="1"/>
+          <p:nvPr/>
+        </p:nvSpPr>
+        <p:spPr>
+          <a:xfrm>
+            <a:off x="5558101" y="3969005"/>
+            <a:ext cx="2148345" cy="523220"/>
+          </a:xfrm>
+          <a:prstGeom prst="rect">
+            <a:avLst/>
+          </a:prstGeom>
+          <a:noFill/>
+        </p:spPr>
+        <p:txBody>
+          <a:bodyPr wrap="none" rtlCol="0">
+            <a:spAutoFit/>
+          </a:bodyPr>
+          <a:lstStyle/>
+          <a:p>
+            <a:r>
+              <a:rPr lang="ko-KR" altLang="en-US" sz="1400" dirty="0" smtClean="0">
+                <a:latin typeface="리디바탕" panose="020B0600000101010101" pitchFamily="34" charset="-127"/>
+                <a:ea typeface="리디바탕" panose="020B0600000101010101" pitchFamily="34" charset="-127"/>
+              </a:rPr>
+              <a:t>추출된 데이터를 바탕으로</a:t>
+            </a:r>
+            <a:endParaRPr lang="en-US" altLang="ko-KR" sz="1400" dirty="0" smtClean="0">
+              <a:latin typeface="리디바탕" panose="020B0600000101010101" pitchFamily="34" charset="-127"/>
+              <a:ea typeface="리디바탕" panose="020B0600000101010101" pitchFamily="34" charset="-127"/>
+            </a:endParaRPr>
+          </a:p>
+          <a:p>
+            <a:r>
+              <a:rPr lang="ko-KR" altLang="en-US" sz="1400" dirty="0" smtClean="0">
+                <a:solidFill>
+                  <a:srgbClr val="FF00FF"/>
+                </a:solidFill>
+                <a:latin typeface="리디바탕" panose="020B0600000101010101" pitchFamily="34" charset="-127"/>
+                <a:ea typeface="리디바탕" panose="020B0600000101010101" pitchFamily="34" charset="-127"/>
+              </a:rPr>
+              <a:t>신규 파생 데이터 연산</a:t>
+            </a:r>
+            <a:endParaRPr lang="ko-KR" altLang="en-US" sz="1400" dirty="0">
+              <a:solidFill>
+                <a:srgbClr val="FF00FF"/>
+              </a:solidFill>
+              <a:latin typeface="리디바탕" panose="020B0600000101010101" pitchFamily="34" charset="-127"/>
+              <a:ea typeface="리디바탕" panose="020B0600000101010101" pitchFamily="34" charset="-127"/>
+            </a:endParaRPr>
+          </a:p>
+        </p:txBody>
+      </p:sp>
+      <p:sp>
+        <p:nvSpPr>
+          <p:cNvPr id="15" name="TextBox 14"/>
+          <p:cNvSpPr txBox="1"/>
+          <p:nvPr/>
+        </p:nvSpPr>
+        <p:spPr>
+          <a:xfrm>
+            <a:off x="8303441" y="4303492"/>
+            <a:ext cx="2105898" cy="523220"/>
+          </a:xfrm>
+          <a:prstGeom prst="rect">
+            <a:avLst/>
+          </a:prstGeom>
+          <a:noFill/>
+        </p:spPr>
+        <p:txBody>
+          <a:bodyPr wrap="none" rtlCol="0">
+            <a:spAutoFit/>
+          </a:bodyPr>
+          <a:lstStyle/>
+          <a:p>
+            <a:r>
+              <a:rPr lang="ko-KR" altLang="en-US" sz="1400" dirty="0" smtClean="0">
+                <a:latin typeface="리디바탕" panose="020B0600000101010101" pitchFamily="34" charset="-127"/>
+                <a:ea typeface="리디바탕" panose="020B0600000101010101" pitchFamily="34" charset="-127"/>
+              </a:rPr>
+              <a:t>이전 </a:t>
+            </a:r>
+            <a:r>
+              <a:rPr lang="ko-KR" altLang="en-US" sz="1400" dirty="0" err="1" smtClean="0">
+                <a:latin typeface="리디바탕" panose="020B0600000101010101" pitchFamily="34" charset="-127"/>
+                <a:ea typeface="리디바탕" panose="020B0600000101010101" pitchFamily="34" charset="-127"/>
+              </a:rPr>
+              <a:t>딕셔너리에</a:t>
+            </a:r>
+            <a:endParaRPr lang="en-US" altLang="ko-KR" sz="1400" dirty="0" smtClean="0">
+              <a:latin typeface="리디바탕" panose="020B0600000101010101" pitchFamily="34" charset="-127"/>
+              <a:ea typeface="리디바탕" panose="020B0600000101010101" pitchFamily="34" charset="-127"/>
+            </a:endParaRPr>
+          </a:p>
+          <a:p>
+            <a:r>
+              <a:rPr lang="ko-KR" altLang="en-US" sz="1400" dirty="0" smtClean="0">
+                <a:solidFill>
+                  <a:srgbClr val="FF00FF"/>
+                </a:solidFill>
+                <a:latin typeface="리디바탕" panose="020B0600000101010101" pitchFamily="34" charset="-127"/>
+                <a:ea typeface="리디바탕" panose="020B0600000101010101" pitchFamily="34" charset="-127"/>
+              </a:rPr>
+              <a:t>신규 데이터 반환</a:t>
+            </a:r>
+            <a:r>
+              <a:rPr lang="en-US" altLang="ko-KR" sz="1400" dirty="0" smtClean="0">
+                <a:latin typeface="리디바탕" panose="020B0600000101010101" pitchFamily="34" charset="-127"/>
+                <a:ea typeface="리디바탕" panose="020B0600000101010101" pitchFamily="34" charset="-127"/>
+              </a:rPr>
+              <a:t>(by key)</a:t>
+            </a:r>
+            <a:endParaRPr lang="ko-KR" altLang="en-US" sz="1400" dirty="0">
+              <a:latin typeface="리디바탕" panose="020B0600000101010101" pitchFamily="34" charset="-127"/>
+              <a:ea typeface="리디바탕" panose="020B0600000101010101" pitchFamily="34" charset="-127"/>
+            </a:endParaRPr>
+          </a:p>
+        </p:txBody>
+      </p:sp>
+      <p:sp>
+        <p:nvSpPr>
+          <p:cNvPr id="16" name="자유형 15"/>
+          <p:cNvSpPr/>
+          <p:nvPr/>
+        </p:nvSpPr>
+        <p:spPr>
+          <a:xfrm>
+            <a:off x="3901440" y="3703320"/>
+            <a:ext cx="1061720" cy="1295400"/>
+          </a:xfrm>
+          <a:custGeom>
+            <a:avLst/>
+            <a:gdLst>
+              <a:gd name="connsiteX0" fmla="*/ 0 w 1061720"/>
+              <a:gd name="connsiteY0" fmla="*/ 0 h 1295400"/>
+              <a:gd name="connsiteX1" fmla="*/ 254000 w 1061720"/>
+              <a:gd name="connsiteY1" fmla="*/ 60960 h 1295400"/>
+              <a:gd name="connsiteX2" fmla="*/ 396240 w 1061720"/>
+              <a:gd name="connsiteY2" fmla="*/ 274320 h 1295400"/>
+              <a:gd name="connsiteX3" fmla="*/ 513080 w 1061720"/>
+              <a:gd name="connsiteY3" fmla="*/ 609600 h 1295400"/>
+              <a:gd name="connsiteX4" fmla="*/ 624840 w 1061720"/>
+              <a:gd name="connsiteY4" fmla="*/ 970280 h 1295400"/>
+              <a:gd name="connsiteX5" fmla="*/ 762000 w 1061720"/>
+              <a:gd name="connsiteY5" fmla="*/ 1183640 h 1295400"/>
+              <a:gd name="connsiteX6" fmla="*/ 883920 w 1061720"/>
+              <a:gd name="connsiteY6" fmla="*/ 1270000 h 1295400"/>
+              <a:gd name="connsiteX7" fmla="*/ 1061720 w 1061720"/>
+              <a:gd name="connsiteY7" fmla="*/ 1295400 h 1295400"/>
+            </a:gdLst>
+            <a:ahLst/>
+            <a:cxnLst>
+              <a:cxn ang="0">
+                <a:pos x="connsiteX0" y="connsiteY0"/>
+              </a:cxn>
+              <a:cxn ang="0">
+                <a:pos x="connsiteX1" y="connsiteY1"/>
+              </a:cxn>
+              <a:cxn ang="0">
+                <a:pos x="connsiteX2" y="connsiteY2"/>
+              </a:cxn>
+              <a:cxn ang="0">
+                <a:pos x="connsiteX3" y="connsiteY3"/>
+              </a:cxn>
+              <a:cxn ang="0">
+                <a:pos x="connsiteX4" y="connsiteY4"/>
+              </a:cxn>
+              <a:cxn ang="0">
+                <a:pos x="connsiteX5" y="connsiteY5"/>
+              </a:cxn>
+              <a:cxn ang="0">
+                <a:pos x="connsiteX6" y="connsiteY6"/>
+              </a:cxn>
+              <a:cxn ang="0">
+                <a:pos x="connsiteX7" y="connsiteY7"/>
+              </a:cxn>
+            </a:cxnLst>
+            <a:rect l="l" t="t" r="r" b="b"/>
+            <a:pathLst>
+              <a:path w="1061720" h="1295400">
+                <a:moveTo>
+                  <a:pt x="0" y="0"/>
+                </a:moveTo>
+                <a:cubicBezTo>
+                  <a:pt x="93980" y="7620"/>
+                  <a:pt x="187960" y="15240"/>
+                  <a:pt x="254000" y="60960"/>
+                </a:cubicBezTo>
+                <a:cubicBezTo>
+                  <a:pt x="320040" y="106680"/>
+                  <a:pt x="353060" y="182880"/>
+                  <a:pt x="396240" y="274320"/>
+                </a:cubicBezTo>
+                <a:cubicBezTo>
+                  <a:pt x="439420" y="365760"/>
+                  <a:pt x="474980" y="493607"/>
+                  <a:pt x="513080" y="609600"/>
+                </a:cubicBezTo>
+                <a:cubicBezTo>
+                  <a:pt x="551180" y="725593"/>
+                  <a:pt x="583353" y="874607"/>
+                  <a:pt x="624840" y="970280"/>
+                </a:cubicBezTo>
+                <a:cubicBezTo>
+                  <a:pt x="666327" y="1065953"/>
+                  <a:pt x="718820" y="1133687"/>
+                  <a:pt x="762000" y="1183640"/>
+                </a:cubicBezTo>
+                <a:cubicBezTo>
+                  <a:pt x="805180" y="1233593"/>
+                  <a:pt x="833967" y="1251373"/>
+                  <a:pt x="883920" y="1270000"/>
+                </a:cubicBezTo>
+                <a:cubicBezTo>
+                  <a:pt x="933873" y="1288627"/>
+                  <a:pt x="997796" y="1292013"/>
+                  <a:pt x="1061720" y="1295400"/>
+                </a:cubicBezTo>
+              </a:path>
+            </a:pathLst>
+          </a:custGeom>
+          <a:noFill/>
+          <a:ln w="38100">
+            <a:solidFill>
+              <a:srgbClr val="FF00FF">
+                <a:alpha val="65000"/>
+              </a:srgbClr>
+            </a:solidFill>
+          </a:ln>
+        </p:spPr>
+        <p:style>
+          <a:lnRef idx="2">
+            <a:schemeClr val="accent1">
+              <a:shade val="50000"/>
+            </a:schemeClr>
+          </a:lnRef>
+          <a:fillRef idx="1">
+            <a:schemeClr val="accent1"/>
+          </a:fillRef>
+          <a:effectRef idx="0">
+            <a:schemeClr val="accent1"/>
+          </a:effectRef>
+          <a:fontRef idx="minor">
+            <a:schemeClr val="lt1"/>
+          </a:fontRef>
+        </p:style>
+        <p:txBody>
+          <a:bodyPr rtlCol="0" anchor="ctr"/>
+          <a:lstStyle/>
+          <a:p>
+            <a:pPr algn="ctr"/>
+            <a:endParaRPr lang="ko-KR" altLang="en-US"/>
+          </a:p>
+        </p:txBody>
+      </p:sp>
+      <p:sp>
+        <p:nvSpPr>
+          <p:cNvPr id="17" name="자유형 16"/>
+          <p:cNvSpPr/>
+          <p:nvPr/>
+        </p:nvSpPr>
+        <p:spPr>
+          <a:xfrm>
+            <a:off x="8662416" y="4189356"/>
+            <a:ext cx="1584960" cy="1179230"/>
+          </a:xfrm>
+          <a:custGeom>
+            <a:avLst/>
+            <a:gdLst>
+              <a:gd name="connsiteX0" fmla="*/ 0 w 1584960"/>
+              <a:gd name="connsiteY0" fmla="*/ 1175124 h 1179230"/>
+              <a:gd name="connsiteX1" fmla="*/ 60960 w 1584960"/>
+              <a:gd name="connsiteY1" fmla="*/ 1175124 h 1179230"/>
+              <a:gd name="connsiteX2" fmla="*/ 243840 w 1584960"/>
+              <a:gd name="connsiteY2" fmla="*/ 1132452 h 1179230"/>
+              <a:gd name="connsiteX3" fmla="*/ 445008 w 1584960"/>
+              <a:gd name="connsiteY3" fmla="*/ 1022724 h 1179230"/>
+              <a:gd name="connsiteX4" fmla="*/ 585216 w 1584960"/>
+              <a:gd name="connsiteY4" fmla="*/ 912996 h 1179230"/>
+              <a:gd name="connsiteX5" fmla="*/ 676656 w 1584960"/>
+              <a:gd name="connsiteY5" fmla="*/ 772788 h 1179230"/>
+              <a:gd name="connsiteX6" fmla="*/ 804672 w 1584960"/>
+              <a:gd name="connsiteY6" fmla="*/ 547236 h 1179230"/>
+              <a:gd name="connsiteX7" fmla="*/ 999744 w 1584960"/>
+              <a:gd name="connsiteY7" fmla="*/ 260724 h 1179230"/>
+              <a:gd name="connsiteX8" fmla="*/ 1133856 w 1584960"/>
+              <a:gd name="connsiteY8" fmla="*/ 132708 h 1179230"/>
+              <a:gd name="connsiteX9" fmla="*/ 1274064 w 1584960"/>
+              <a:gd name="connsiteY9" fmla="*/ 53460 h 1179230"/>
+              <a:gd name="connsiteX10" fmla="*/ 1487424 w 1584960"/>
+              <a:gd name="connsiteY10" fmla="*/ 4692 h 1179230"/>
+              <a:gd name="connsiteX11" fmla="*/ 1584960 w 1584960"/>
+              <a:gd name="connsiteY11" fmla="*/ 4692 h 1179230"/>
+            </a:gdLst>
+            <a:ahLst/>
+            <a:cxnLst>
+              <a:cxn ang="0">
+                <a:pos x="connsiteX0" y="connsiteY0"/>
+              </a:cxn>
+              <a:cxn ang="0">
+                <a:pos x="connsiteX1" y="connsiteY1"/>
+              </a:cxn>
+              <a:cxn ang="0">
+                <a:pos x="connsiteX2" y="connsiteY2"/>
+              </a:cxn>
+              <a:cxn ang="0">
+                <a:pos x="connsiteX3" y="connsiteY3"/>
+              </a:cxn>
+              <a:cxn ang="0">
+                <a:pos x="connsiteX4" y="connsiteY4"/>
+              </a:cxn>
+              <a:cxn ang="0">
+                <a:pos x="connsiteX5" y="connsiteY5"/>
+              </a:cxn>
+              <a:cxn ang="0">
+                <a:pos x="connsiteX6" y="connsiteY6"/>
+              </a:cxn>
+              <a:cxn ang="0">
+                <a:pos x="connsiteX7" y="connsiteY7"/>
+              </a:cxn>
+              <a:cxn ang="0">
+                <a:pos x="connsiteX8" y="connsiteY8"/>
+              </a:cxn>
+              <a:cxn ang="0">
+                <a:pos x="connsiteX9" y="connsiteY9"/>
+              </a:cxn>
+              <a:cxn ang="0">
+                <a:pos x="connsiteX10" y="connsiteY10"/>
+              </a:cxn>
+              <a:cxn ang="0">
+                <a:pos x="connsiteX11" y="connsiteY11"/>
+              </a:cxn>
+            </a:cxnLst>
+            <a:rect l="l" t="t" r="r" b="b"/>
+            <a:pathLst>
+              <a:path w="1584960" h="1179230">
+                <a:moveTo>
+                  <a:pt x="0" y="1175124"/>
+                </a:moveTo>
+                <a:cubicBezTo>
+                  <a:pt x="10160" y="1178680"/>
+                  <a:pt x="20320" y="1182236"/>
+                  <a:pt x="60960" y="1175124"/>
+                </a:cubicBezTo>
+                <a:cubicBezTo>
+                  <a:pt x="101600" y="1168012"/>
+                  <a:pt x="179832" y="1157852"/>
+                  <a:pt x="243840" y="1132452"/>
+                </a:cubicBezTo>
+                <a:cubicBezTo>
+                  <a:pt x="307848" y="1107052"/>
+                  <a:pt x="388112" y="1059300"/>
+                  <a:pt x="445008" y="1022724"/>
+                </a:cubicBezTo>
+                <a:cubicBezTo>
+                  <a:pt x="501904" y="986148"/>
+                  <a:pt x="546608" y="954652"/>
+                  <a:pt x="585216" y="912996"/>
+                </a:cubicBezTo>
+                <a:cubicBezTo>
+                  <a:pt x="623824" y="871340"/>
+                  <a:pt x="640080" y="833748"/>
+                  <a:pt x="676656" y="772788"/>
+                </a:cubicBezTo>
+                <a:cubicBezTo>
+                  <a:pt x="713232" y="711828"/>
+                  <a:pt x="750824" y="632580"/>
+                  <a:pt x="804672" y="547236"/>
+                </a:cubicBezTo>
+                <a:cubicBezTo>
+                  <a:pt x="858520" y="461892"/>
+                  <a:pt x="944880" y="329812"/>
+                  <a:pt x="999744" y="260724"/>
+                </a:cubicBezTo>
+                <a:cubicBezTo>
+                  <a:pt x="1054608" y="191636"/>
+                  <a:pt x="1088136" y="167252"/>
+                  <a:pt x="1133856" y="132708"/>
+                </a:cubicBezTo>
+                <a:cubicBezTo>
+                  <a:pt x="1179576" y="98164"/>
+                  <a:pt x="1215136" y="74796"/>
+                  <a:pt x="1274064" y="53460"/>
+                </a:cubicBezTo>
+                <a:cubicBezTo>
+                  <a:pt x="1332992" y="32124"/>
+                  <a:pt x="1435608" y="12820"/>
+                  <a:pt x="1487424" y="4692"/>
+                </a:cubicBezTo>
+                <a:cubicBezTo>
+                  <a:pt x="1539240" y="-3436"/>
+                  <a:pt x="1562100" y="628"/>
+                  <a:pt x="1584960" y="4692"/>
+                </a:cubicBezTo>
+              </a:path>
+            </a:pathLst>
+          </a:custGeom>
+          <a:noFill/>
+          <a:ln w="38100">
+            <a:solidFill>
+              <a:srgbClr val="FF00FF">
+                <a:alpha val="65000"/>
+              </a:srgbClr>
+            </a:solidFill>
+          </a:ln>
+        </p:spPr>
+        <p:style>
+          <a:lnRef idx="2">
+            <a:schemeClr val="accent1">
+              <a:shade val="50000"/>
+            </a:schemeClr>
+          </a:lnRef>
+          <a:fillRef idx="1">
+            <a:schemeClr val="accent1"/>
+          </a:fillRef>
+          <a:effectRef idx="0">
+            <a:schemeClr val="accent1"/>
+          </a:effectRef>
+          <a:fontRef idx="minor">
+            <a:schemeClr val="lt1"/>
+          </a:fontRef>
+        </p:style>
+        <p:txBody>
+          <a:bodyPr rtlCol="0" anchor="ctr"/>
+          <a:lstStyle/>
+          <a:p>
+            <a:pPr algn="ctr"/>
+            <a:endParaRPr lang="ko-KR" altLang="en-US"/>
+          </a:p>
+        </p:txBody>
+      </p:sp>
     </p:spTree>
     <p:extLst>
       <p:ext uri="{BB962C8B-B14F-4D97-AF65-F5344CB8AC3E}">
@@ -10140,43 +10682,6 @@
           </a:prstGeom>
         </p:spPr>
       </p:pic>
-      <p:cxnSp>
-        <p:nvCxnSpPr>
-          <p:cNvPr id="4" name="직선 화살표 연결선 3"/>
-          <p:cNvCxnSpPr/>
-          <p:nvPr/>
-        </p:nvCxnSpPr>
-        <p:spPr>
-          <a:xfrm>
-            <a:off x="3181350" y="2257425"/>
-            <a:ext cx="0" cy="800100"/>
-          </a:xfrm>
-          <a:prstGeom prst="straightConnector1">
-            <a:avLst/>
-          </a:prstGeom>
-          <a:ln>
-            <a:solidFill>
-              <a:schemeClr val="tx1"/>
-            </a:solidFill>
-            <a:prstDash val="dash"/>
-            <a:tailEnd type="triangle"/>
-          </a:ln>
-        </p:spPr>
-        <p:style>
-          <a:lnRef idx="1">
-            <a:schemeClr val="accent1"/>
-          </a:lnRef>
-          <a:fillRef idx="0">
-            <a:schemeClr val="accent1"/>
-          </a:fillRef>
-          <a:effectRef idx="0">
-            <a:schemeClr val="accent1"/>
-          </a:effectRef>
-          <a:fontRef idx="minor">
-            <a:schemeClr val="tx1"/>
-          </a:fontRef>
-        </p:style>
-      </p:cxnSp>
       <p:sp>
         <p:nvSpPr>
           <p:cNvPr id="5" name="TextBox 4"/>
@@ -10185,8 +10690,8 @@
         </p:nvSpPr>
         <p:spPr>
           <a:xfrm>
-            <a:off x="2936875" y="1822952"/>
-            <a:ext cx="2311851" cy="276999"/>
+            <a:off x="2266257" y="1795760"/>
+            <a:ext cx="2311851" cy="461665"/>
           </a:xfrm>
           <a:prstGeom prst="rect">
             <a:avLst/>
@@ -10224,7 +10729,7 @@
               <a:t>. </a:t>
             </a:r>
             <a:r>
-              <a:rPr lang="ko-KR" altLang="en-US" sz="1200" dirty="0">
+              <a:rPr lang="ko-KR" altLang="en-US" sz="1200" dirty="0" smtClean="0">
                 <a:solidFill>
                   <a:schemeClr val="accent6">
                     <a:lumMod val="75000"/>
@@ -10257,8 +10762,76 @@
                 <a:latin typeface="리디바탕" panose="020B0600000101010101" pitchFamily="34" charset="-127"/>
                 <a:ea typeface="리디바탕" panose="020B0600000101010101" pitchFamily="34" charset="-127"/>
               </a:rPr>
-              <a:t> 대비한 더미 노드</a:t>
-            </a:r>
+              <a:t> 대비한 더미 </a:t>
+            </a:r>
+            <a:r>
+              <a:rPr lang="ko-KR" altLang="en-US" sz="1200" dirty="0" smtClean="0">
+                <a:solidFill>
+                  <a:schemeClr val="accent6">
+                    <a:lumMod val="75000"/>
+                  </a:schemeClr>
+                </a:solidFill>
+                <a:latin typeface="리디바탕" panose="020B0600000101010101" pitchFamily="34" charset="-127"/>
+                <a:ea typeface="리디바탕" panose="020B0600000101010101" pitchFamily="34" charset="-127"/>
+              </a:rPr>
+              <a:t>노드</a:t>
+            </a:r>
+            <a:endParaRPr lang="en-US" altLang="ko-KR" sz="1200" dirty="0" smtClean="0">
+              <a:solidFill>
+                <a:schemeClr val="accent6">
+                  <a:lumMod val="75000"/>
+                </a:schemeClr>
+              </a:solidFill>
+              <a:latin typeface="리디바탕" panose="020B0600000101010101" pitchFamily="34" charset="-127"/>
+              <a:ea typeface="리디바탕" panose="020B0600000101010101" pitchFamily="34" charset="-127"/>
+            </a:endParaRPr>
+          </a:p>
+          <a:p>
+            <a:r>
+              <a:rPr lang="en-US" altLang="ko-KR" sz="1200" dirty="0" smtClean="0">
+                <a:solidFill>
+                  <a:schemeClr val="accent6">
+                    <a:lumMod val="75000"/>
+                  </a:schemeClr>
+                </a:solidFill>
+                <a:latin typeface="리디바탕" panose="020B0600000101010101" pitchFamily="34" charset="-127"/>
+                <a:ea typeface="리디바탕" panose="020B0600000101010101" pitchFamily="34" charset="-127"/>
+              </a:rPr>
+              <a:t>(</a:t>
+            </a:r>
+            <a:r>
+              <a:rPr lang="ko-KR" altLang="en-US" sz="1200" dirty="0" smtClean="0">
+                <a:solidFill>
+                  <a:schemeClr val="accent6">
+                    <a:lumMod val="75000"/>
+                  </a:schemeClr>
+                </a:solidFill>
+                <a:latin typeface="리디바탕" panose="020B0600000101010101" pitchFamily="34" charset="-127"/>
+                <a:ea typeface="리디바탕" panose="020B0600000101010101" pitchFamily="34" charset="-127"/>
+              </a:rPr>
+              <a:t>코드 유닛 별 위치 독립성 확보</a:t>
+            </a:r>
+            <a:r>
+              <a:rPr lang="en-US" altLang="ko-KR" sz="1200" dirty="0" smtClean="0">
+                <a:solidFill>
+                  <a:schemeClr val="accent6">
+                    <a:lumMod val="75000"/>
+                  </a:schemeClr>
+                </a:solidFill>
+                <a:latin typeface="리디바탕" panose="020B0600000101010101" pitchFamily="34" charset="-127"/>
+                <a:ea typeface="리디바탕" panose="020B0600000101010101" pitchFamily="34" charset="-127"/>
+              </a:rPr>
+              <a:t>)</a:t>
+            </a:r>
+            <a:endParaRPr lang="ko-KR" altLang="en-US" sz="1200" dirty="0">
+              <a:solidFill>
+                <a:schemeClr val="accent6">
+                  <a:lumMod val="75000"/>
+                </a:schemeClr>
+              </a:solidFill>
+              <a:latin typeface="리디바탕" panose="020B0600000101010101" pitchFamily="34" charset="-127"/>
+              <a:ea typeface="리디바탕" panose="020B0600000101010101" pitchFamily="34" charset="-127"/>
+            </a:endParaRPr>
           </a:p>
         </p:txBody>
       </p:sp>
@@ -10615,6 +11188,55 @@
               </a:rPr>
               <a:t>Dictionary base Code Unit</a:t>
             </a:r>
+          </a:p>
+        </p:txBody>
+      </p:sp>
+      <p:sp>
+        <p:nvSpPr>
+          <p:cNvPr id="12" name="직사각형 11"/>
+          <p:cNvSpPr/>
+          <p:nvPr/>
+        </p:nvSpPr>
+        <p:spPr>
+          <a:xfrm>
+            <a:off x="2266257" y="2409602"/>
+            <a:ext cx="1829088" cy="1784096"/>
+          </a:xfrm>
+          <a:prstGeom prst="rect">
+            <a:avLst/>
+          </a:prstGeom>
+          <a:noFill/>
+          <a:ln w="19050">
+            <a:solidFill>
+              <a:schemeClr val="accent6">
+                <a:lumMod val="75000"/>
+              </a:schemeClr>
+            </a:solidFill>
+            <a:prstDash val="dash"/>
+          </a:ln>
+        </p:spPr>
+        <p:style>
+          <a:lnRef idx="2">
+            <a:schemeClr val="accent1">
+              <a:shade val="50000"/>
+            </a:schemeClr>
+          </a:lnRef>
+          <a:fillRef idx="1">
+            <a:schemeClr val="accent1"/>
+          </a:fillRef>
+          <a:effectRef idx="0">
+            <a:schemeClr val="accent1"/>
+          </a:effectRef>
+          <a:fontRef idx="minor">
+            <a:schemeClr val="lt1"/>
+          </a:fontRef>
+        </p:style>
+        <p:txBody>
+          <a:bodyPr rtlCol="0" anchor="ctr"/>
+          <a:lstStyle/>
+          <a:p>
+            <a:pPr algn="ctr"/>
+            <a:endParaRPr lang="ko-KR" altLang="en-US"/>
           </a:p>
         </p:txBody>
       </p:sp>
